--- a/presentations/software_for_data_science_jupyter.pptx
+++ b/presentations/software_for_data_science_jupyter.pptx
@@ -5,7 +5,7 @@
     <p:sldMasterId id="2147483648" r:id="rId1"/>
   </p:sldMasterIdLst>
   <p:notesMasterIdLst>
-    <p:notesMasterId r:id="rId17"/>
+    <p:notesMasterId r:id="rId18"/>
   </p:notesMasterIdLst>
   <p:sldIdLst>
     <p:sldId id="256" r:id="rId2"/>
@@ -23,6 +23,7 @@
     <p:sldId id="267" r:id="rId14"/>
     <p:sldId id="269" r:id="rId15"/>
     <p:sldId id="270" r:id="rId16"/>
+    <p:sldId id="281" r:id="rId17"/>
   </p:sldIdLst>
   <p:sldSz cx="12192000" cy="6858000"/>
   <p:notesSz cx="6858000" cy="9144000"/>
@@ -135,7 +136,7 @@
 <file path=ppt/revisionInfo.xml><?xml version="1.0" encoding="utf-8"?>
 <p1510:revInfo xmlns:a="http://schemas.openxmlformats.org/drawingml/2006/main" xmlns:r="http://schemas.openxmlformats.org/officeDocument/2006/relationships" xmlns:p1510="http://schemas.microsoft.com/office/powerpoint/2015/10/main">
   <p1510:revLst>
-    <p1510:client id="{39AD1851-E2BE-A740-9DC4-5B8718AD8C43}" v="95" dt="2020-02-10T19:05:30.439"/>
+    <p1510:client id="{39AD1851-E2BE-A740-9DC4-5B8718AD8C43}" v="97" dt="2020-02-10T19:11:15.880"/>
   </p1510:revLst>
 </p1510:revInfo>
 </file>
@@ -144,8 +145,8 @@
 <pc:chgInfo xmlns:a="http://schemas.openxmlformats.org/drawingml/2006/main" xmlns:r="http://schemas.openxmlformats.org/officeDocument/2006/relationships" xmlns:ac="http://schemas.microsoft.com/office/drawing/2013/main/command" xmlns:pc="http://schemas.microsoft.com/office/powerpoint/2013/main/command">
   <pc:docChgLst>
     <pc:chgData name="Russell, Seth" userId="3c561f24-ddce-4c04-9d77-b57464b49d16" providerId="ADAL" clId="{39AD1851-E2BE-A740-9DC4-5B8718AD8C43}"/>
-    <pc:docChg chg="undo custSel addSld delSld modSld sldOrd">
-      <pc:chgData name="Russell, Seth" userId="3c561f24-ddce-4c04-9d77-b57464b49d16" providerId="ADAL" clId="{39AD1851-E2BE-A740-9DC4-5B8718AD8C43}" dt="2020-02-10T19:05:30.439" v="977"/>
+    <pc:docChg chg="undo custSel mod addSld delSld modSld sldOrd">
+      <pc:chgData name="Russell, Seth" userId="3c561f24-ddce-4c04-9d77-b57464b49d16" providerId="ADAL" clId="{39AD1851-E2BE-A740-9DC4-5B8718AD8C43}" dt="2020-02-10T19:14:06.960" v="1018" actId="27636"/>
       <pc:docMkLst>
         <pc:docMk/>
       </pc:docMkLst>
@@ -438,6 +439,69 @@
           <pc:sldMk cId="3141085275" sldId="280"/>
         </pc:sldMkLst>
       </pc:sldChg>
+      <pc:sldChg chg="addSp delSp modSp add mod setBg setClrOvrMap">
+        <pc:chgData name="Russell, Seth" userId="3c561f24-ddce-4c04-9d77-b57464b49d16" providerId="ADAL" clId="{39AD1851-E2BE-A740-9DC4-5B8718AD8C43}" dt="2020-02-10T19:14:06.960" v="1018" actId="27636"/>
+        <pc:sldMkLst>
+          <pc:docMk/>
+          <pc:sldMk cId="3392839285" sldId="281"/>
+        </pc:sldMkLst>
+        <pc:spChg chg="mod">
+          <ac:chgData name="Russell, Seth" userId="3c561f24-ddce-4c04-9d77-b57464b49d16" providerId="ADAL" clId="{39AD1851-E2BE-A740-9DC4-5B8718AD8C43}" dt="2020-02-10T19:14:06.960" v="1018" actId="27636"/>
+          <ac:spMkLst>
+            <pc:docMk/>
+            <pc:sldMk cId="3392839285" sldId="281"/>
+            <ac:spMk id="2" creationId="{5CB52076-8C35-7243-A7E6-328E5785C525}"/>
+          </ac:spMkLst>
+        </pc:spChg>
+        <pc:spChg chg="del">
+          <ac:chgData name="Russell, Seth" userId="3c561f24-ddce-4c04-9d77-b57464b49d16" providerId="ADAL" clId="{39AD1851-E2BE-A740-9DC4-5B8718AD8C43}" dt="2020-02-10T19:11:15.879" v="991"/>
+          <ac:spMkLst>
+            <pc:docMk/>
+            <pc:sldMk cId="3392839285" sldId="281"/>
+            <ac:spMk id="3" creationId="{29D4C698-0D33-3E47-BC51-225D66503B38}"/>
+          </ac:spMkLst>
+        </pc:spChg>
+        <pc:spChg chg="add">
+          <ac:chgData name="Russell, Seth" userId="3c561f24-ddce-4c04-9d77-b57464b49d16" providerId="ADAL" clId="{39AD1851-E2BE-A740-9DC4-5B8718AD8C43}" dt="2020-02-10T19:11:23.936" v="992" actId="26606"/>
+          <ac:spMkLst>
+            <pc:docMk/>
+            <pc:sldMk cId="3392839285" sldId="281"/>
+            <ac:spMk id="14" creationId="{B8144315-1C5A-4185-A952-25D98D303D46}"/>
+          </ac:spMkLst>
+        </pc:spChg>
+        <pc:spChg chg="add">
+          <ac:chgData name="Russell, Seth" userId="3c561f24-ddce-4c04-9d77-b57464b49d16" providerId="ADAL" clId="{39AD1851-E2BE-A740-9DC4-5B8718AD8C43}" dt="2020-02-10T19:11:23.936" v="992" actId="26606"/>
+          <ac:spMkLst>
+            <pc:docMk/>
+            <pc:sldMk cId="3392839285" sldId="281"/>
+            <ac:spMk id="16" creationId="{11CAC6F2-0806-417B-BF5D-5AEF6195FA49}"/>
+          </ac:spMkLst>
+        </pc:spChg>
+        <pc:spChg chg="add">
+          <ac:chgData name="Russell, Seth" userId="3c561f24-ddce-4c04-9d77-b57464b49d16" providerId="ADAL" clId="{39AD1851-E2BE-A740-9DC4-5B8718AD8C43}" dt="2020-02-10T19:11:23.936" v="992" actId="26606"/>
+          <ac:spMkLst>
+            <pc:docMk/>
+            <pc:sldMk cId="3392839285" sldId="281"/>
+            <ac:spMk id="18" creationId="{D4723B02-0AAB-4F6E-BA41-8ED99D559D93}"/>
+          </ac:spMkLst>
+        </pc:spChg>
+        <pc:grpChg chg="add">
+          <ac:chgData name="Russell, Seth" userId="3c561f24-ddce-4c04-9d77-b57464b49d16" providerId="ADAL" clId="{39AD1851-E2BE-A740-9DC4-5B8718AD8C43}" dt="2020-02-10T19:11:23.936" v="992" actId="26606"/>
+          <ac:grpSpMkLst>
+            <pc:docMk/>
+            <pc:sldMk cId="3392839285" sldId="281"/>
+            <ac:grpSpMk id="10" creationId="{4091D54B-59AB-4A5E-8E9E-0421BD66D4FB}"/>
+          </ac:grpSpMkLst>
+        </pc:grpChg>
+        <pc:picChg chg="add mod">
+          <ac:chgData name="Russell, Seth" userId="3c561f24-ddce-4c04-9d77-b57464b49d16" providerId="ADAL" clId="{39AD1851-E2BE-A740-9DC4-5B8718AD8C43}" dt="2020-02-10T19:12:13.099" v="1001" actId="1076"/>
+          <ac:picMkLst>
+            <pc:docMk/>
+            <pc:sldMk cId="3392839285" sldId="281"/>
+            <ac:picMk id="5" creationId="{9D1336A5-CD5D-D74F-9A5D-5D2198653FAE}"/>
+          </ac:picMkLst>
+        </pc:picChg>
+      </pc:sldChg>
     </pc:docChg>
   </pc:docChgLst>
 </pc:chgInfo>
@@ -1375,6 +1439,90 @@
     <p:extLst>
       <p:ext uri="{BB962C8B-B14F-4D97-AF65-F5344CB8AC3E}">
         <p14:creationId xmlns:p14="http://schemas.microsoft.com/office/powerpoint/2010/main" val="2407841619"/>
+      </p:ext>
+    </p:extLst>
+  </p:cSld>
+  <p:clrMapOvr>
+    <a:masterClrMapping/>
+  </p:clrMapOvr>
+</p:notes>
+</file>
+
+<file path=ppt/notesSlides/notesSlide6.xml><?xml version="1.0" encoding="utf-8"?>
+<p:notes xmlns:a="http://schemas.openxmlformats.org/drawingml/2006/main" xmlns:r="http://schemas.openxmlformats.org/officeDocument/2006/relationships" xmlns:p="http://schemas.openxmlformats.org/presentationml/2006/main">
+  <p:cSld>
+    <p:spTree>
+      <p:nvGrpSpPr>
+        <p:cNvPr id="1" name=""/>
+        <p:cNvGrpSpPr/>
+        <p:nvPr/>
+      </p:nvGrpSpPr>
+      <p:grpSpPr>
+        <a:xfrm>
+          <a:off x="0" y="0"/>
+          <a:ext cx="0" cy="0"/>
+          <a:chOff x="0" y="0"/>
+          <a:chExt cx="0" cy="0"/>
+        </a:xfrm>
+      </p:grpSpPr>
+      <p:sp>
+        <p:nvSpPr>
+          <p:cNvPr id="2" name="Slide Image Placeholder 1"/>
+          <p:cNvSpPr>
+            <a:spLocks noGrp="1" noRot="1" noChangeAspect="1"/>
+          </p:cNvSpPr>
+          <p:nvPr>
+            <p:ph type="sldImg"/>
+          </p:nvPr>
+        </p:nvSpPr>
+        <p:spPr/>
+      </p:sp>
+      <p:sp>
+        <p:nvSpPr>
+          <p:cNvPr id="3" name="Notes Placeholder 2"/>
+          <p:cNvSpPr>
+            <a:spLocks noGrp="1"/>
+          </p:cNvSpPr>
+          <p:nvPr>
+            <p:ph type="body" idx="1"/>
+          </p:nvPr>
+        </p:nvSpPr>
+        <p:spPr/>
+        <p:txBody>
+          <a:bodyPr/>
+          <a:lstStyle/>
+          <a:p>
+            <a:endParaRPr lang="en-US" dirty="0"/>
+          </a:p>
+        </p:txBody>
+      </p:sp>
+      <p:sp>
+        <p:nvSpPr>
+          <p:cNvPr id="4" name="Slide Number Placeholder 3"/>
+          <p:cNvSpPr>
+            <a:spLocks noGrp="1"/>
+          </p:cNvSpPr>
+          <p:nvPr>
+            <p:ph type="sldNum" sz="quarter" idx="5"/>
+          </p:nvPr>
+        </p:nvSpPr>
+        <p:spPr/>
+        <p:txBody>
+          <a:bodyPr/>
+          <a:lstStyle/>
+          <a:p>
+            <a:fld id="{B414E00C-B0E3-104E-A713-16ABAE9875F9}" type="slidenum">
+              <a:rPr lang="en-US" smtClean="0"/>
+              <a:t>16</a:t>
+            </a:fld>
+            <a:endParaRPr lang="en-US"/>
+          </a:p>
+        </p:txBody>
+      </p:sp>
+    </p:spTree>
+    <p:extLst>
+      <p:ext uri="{BB962C8B-B14F-4D97-AF65-F5344CB8AC3E}">
+        <p14:creationId xmlns:p14="http://schemas.microsoft.com/office/powerpoint/2010/main" val="2953778490"/>
       </p:ext>
     </p:extLst>
   </p:cSld>
@@ -16893,6 +17041,514 @@
       </p:par>
     </p:tnLst>
   </p:timing>
+</p:sld>
+</file>
+
+<file path=ppt/slides/slide16.xml><?xml version="1.0" encoding="utf-8"?>
+<p:sld xmlns:a="http://schemas.openxmlformats.org/drawingml/2006/main" xmlns:r="http://schemas.openxmlformats.org/officeDocument/2006/relationships" xmlns:p="http://schemas.openxmlformats.org/presentationml/2006/main">
+  <p:cSld>
+    <p:bg>
+      <p:bgPr>
+        <a:solidFill>
+          <a:schemeClr val="bg1"/>
+        </a:solidFill>
+        <a:effectLst/>
+      </p:bgPr>
+    </p:bg>
+    <p:spTree>
+      <p:nvGrpSpPr>
+        <p:cNvPr id="1" name=""/>
+        <p:cNvGrpSpPr/>
+        <p:nvPr/>
+      </p:nvGrpSpPr>
+      <p:grpSpPr>
+        <a:xfrm>
+          <a:off x="0" y="0"/>
+          <a:ext cx="0" cy="0"/>
+          <a:chOff x="0" y="0"/>
+          <a:chExt cx="0" cy="0"/>
+        </a:xfrm>
+      </p:grpSpPr>
+      <p:grpSp>
+        <p:nvGrpSpPr>
+          <p:cNvPr id="10" name="Group 9">
+            <a:extLst>
+              <a:ext uri="{FF2B5EF4-FFF2-40B4-BE49-F238E27FC236}">
+                <a16:creationId xmlns:a16="http://schemas.microsoft.com/office/drawing/2014/main" id="{4091D54B-59AB-4A5E-8E9E-0421BD66D4FB}"/>
+              </a:ext>
+              <a:ext uri="{C183D7F6-B498-43B3-948B-1728B52AA6E4}">
+                <adec:decorative xmlns:adec="http://schemas.microsoft.com/office/drawing/2017/decorative" val="1"/>
+              </a:ext>
+            </a:extLst>
+          </p:cNvPr>
+          <p:cNvGrpSpPr>
+            <a:grpSpLocks noGrp="1" noUngrp="1" noRot="1" noChangeAspect="1" noMove="1" noResize="1"/>
+          </p:cNvGrpSpPr>
+          <p:nvPr>
+            <p:extLst>
+              <p:ext uri="{386F3935-93C4-4BCD-93E2-E3B085C9AB24}">
+                <p16:designElem xmlns:p16="http://schemas.microsoft.com/office/powerpoint/2015/main" val="1"/>
+              </p:ext>
+            </p:extLst>
+          </p:nvPr>
+        </p:nvGrpSpPr>
+        <p:grpSpPr>
+          <a:xfrm>
+            <a:off x="0" y="0"/>
+            <a:ext cx="12192000" cy="6858000"/>
+            <a:chOff x="0" y="0"/>
+            <a:chExt cx="12192000" cy="6858000"/>
+          </a:xfrm>
+        </p:grpSpPr>
+        <p:sp>
+          <p:nvSpPr>
+            <p:cNvPr id="11" name="Rectangle 10">
+              <a:extLst>
+                <a:ext uri="{FF2B5EF4-FFF2-40B4-BE49-F238E27FC236}">
+                  <a16:creationId xmlns:a16="http://schemas.microsoft.com/office/drawing/2014/main" id="{547CE62E-FFFD-4A1F-BA78-C3B89C36FCA5}"/>
+                </a:ext>
+                <a:ext uri="{C183D7F6-B498-43B3-948B-1728B52AA6E4}">
+                  <adec:decorative xmlns:adec="http://schemas.microsoft.com/office/drawing/2017/decorative" val="1"/>
+                </a:ext>
+              </a:extLst>
+            </p:cNvPr>
+            <p:cNvSpPr/>
+            <p:nvPr>
+              <p:extLst>
+                <p:ext uri="{386F3935-93C4-4BCD-93E2-E3B085C9AB24}">
+                  <p16:designElem xmlns:p16="http://schemas.microsoft.com/office/powerpoint/2015/main" val="1"/>
+                </p:ext>
+              </p:extLst>
+            </p:nvPr>
+          </p:nvSpPr>
+          <p:spPr>
+            <a:xfrm>
+              <a:off x="0" y="0"/>
+              <a:ext cx="12192000" cy="6858000"/>
+            </a:xfrm>
+            <a:prstGeom prst="rect">
+              <a:avLst/>
+            </a:prstGeom>
+            <a:blipFill>
+              <a:blip r:embed="rId3">
+                <a:duotone>
+                  <a:schemeClr val="dk2">
+                    <a:shade val="69000"/>
+                    <a:hueMod val="91000"/>
+                    <a:satMod val="164000"/>
+                    <a:lumMod val="74000"/>
+                  </a:schemeClr>
+                  <a:schemeClr val="dk2">
+                    <a:hueMod val="124000"/>
+                    <a:satMod val="140000"/>
+                    <a:lumMod val="142000"/>
+                  </a:schemeClr>
+                </a:duotone>
+              </a:blip>
+              <a:stretch>
+                <a:fillRect/>
+              </a:stretch>
+            </a:blipFill>
+            <a:ln>
+              <a:noFill/>
+            </a:ln>
+          </p:spPr>
+          <p:style>
+            <a:lnRef idx="2">
+              <a:schemeClr val="accent1">
+                <a:shade val="50000"/>
+              </a:schemeClr>
+            </a:lnRef>
+            <a:fillRef idx="1">
+              <a:schemeClr val="accent1"/>
+            </a:fillRef>
+            <a:effectRef idx="0">
+              <a:schemeClr val="accent1"/>
+            </a:effectRef>
+            <a:fontRef idx="minor">
+              <a:schemeClr val="lt1"/>
+            </a:fontRef>
+          </p:style>
+        </p:sp>
+        <p:sp>
+          <p:nvSpPr>
+            <p:cNvPr id="12" name="Freeform 5">
+              <a:extLst>
+                <a:ext uri="{FF2B5EF4-FFF2-40B4-BE49-F238E27FC236}">
+                  <a16:creationId xmlns:a16="http://schemas.microsoft.com/office/drawing/2014/main" id="{AE51FD27-6B6A-4D21-BF22-245DA9BD0B3E}"/>
+                </a:ext>
+                <a:ext uri="{C183D7F6-B498-43B3-948B-1728B52AA6E4}">
+                  <adec:decorative xmlns:adec="http://schemas.microsoft.com/office/drawing/2017/decorative" val="1"/>
+                </a:ext>
+              </a:extLst>
+            </p:cNvPr>
+            <p:cNvSpPr>
+              <a:spLocks noEditPoints="1"/>
+            </p:cNvSpPr>
+            <p:nvPr>
+              <p:extLst>
+                <p:ext uri="{386F3935-93C4-4BCD-93E2-E3B085C9AB24}">
+                  <p16:designElem xmlns:p16="http://schemas.microsoft.com/office/powerpoint/2015/main" val="1"/>
+                </p:ext>
+              </p:extLst>
+            </p:nvPr>
+          </p:nvSpPr>
+          <p:spPr bwMode="gray">
+            <a:xfrm>
+              <a:off x="0" y="1587"/>
+              <a:ext cx="12192000" cy="6856413"/>
+            </a:xfrm>
+            <a:custGeom>
+              <a:avLst/>
+              <a:gdLst/>
+              <a:ahLst/>
+              <a:cxnLst/>
+              <a:rect l="0" t="0" r="r" b="b"/>
+              <a:pathLst>
+                <a:path w="15356" h="8638">
+                  <a:moveTo>
+                    <a:pt x="0" y="0"/>
+                  </a:moveTo>
+                  <a:lnTo>
+                    <a:pt x="0" y="8638"/>
+                  </a:lnTo>
+                  <a:lnTo>
+                    <a:pt x="15356" y="8638"/>
+                  </a:lnTo>
+                  <a:lnTo>
+                    <a:pt x="15356" y="0"/>
+                  </a:lnTo>
+                  <a:lnTo>
+                    <a:pt x="0" y="0"/>
+                  </a:lnTo>
+                  <a:close/>
+                  <a:moveTo>
+                    <a:pt x="14748" y="8038"/>
+                  </a:moveTo>
+                  <a:lnTo>
+                    <a:pt x="600" y="8038"/>
+                  </a:lnTo>
+                  <a:lnTo>
+                    <a:pt x="600" y="592"/>
+                  </a:lnTo>
+                  <a:lnTo>
+                    <a:pt x="14748" y="592"/>
+                  </a:lnTo>
+                  <a:lnTo>
+                    <a:pt x="14748" y="8038"/>
+                  </a:lnTo>
+                  <a:close/>
+                </a:path>
+              </a:pathLst>
+            </a:custGeom>
+            <a:solidFill>
+              <a:schemeClr val="bg1"/>
+            </a:solidFill>
+            <a:ln>
+              <a:noFill/>
+            </a:ln>
+          </p:spPr>
+        </p:sp>
+      </p:grpSp>
+      <p:sp>
+        <p:nvSpPr>
+          <p:cNvPr id="14" name="Rectangle 13">
+            <a:extLst>
+              <a:ext uri="{FF2B5EF4-FFF2-40B4-BE49-F238E27FC236}">
+                <a16:creationId xmlns:a16="http://schemas.microsoft.com/office/drawing/2014/main" id="{B8144315-1C5A-4185-A952-25D98D303D46}"/>
+              </a:ext>
+              <a:ext uri="{C183D7F6-B498-43B3-948B-1728B52AA6E4}">
+                <adec:decorative xmlns:adec="http://schemas.microsoft.com/office/drawing/2017/decorative" val="1"/>
+              </a:ext>
+            </a:extLst>
+          </p:cNvPr>
+          <p:cNvSpPr>
+            <a:spLocks noGrp="1" noRot="1" noChangeAspect="1" noMove="1" noResize="1" noEditPoints="1" noAdjustHandles="1" noChangeArrowheads="1" noChangeShapeType="1" noTextEdit="1"/>
+          </p:cNvSpPr>
+          <p:nvPr>
+            <p:extLst>
+              <p:ext uri="{386F3935-93C4-4BCD-93E2-E3B085C9AB24}">
+                <p16:designElem xmlns:p16="http://schemas.microsoft.com/office/powerpoint/2015/main" val="1"/>
+              </p:ext>
+            </p:extLst>
+          </p:nvPr>
+        </p:nvSpPr>
+        <p:spPr>
+          <a:xfrm>
+            <a:off x="10437812" y="0"/>
+            <a:ext cx="685800" cy="1143000"/>
+          </a:xfrm>
+          <a:prstGeom prst="rect">
+            <a:avLst/>
+          </a:prstGeom>
+          <a:solidFill>
+            <a:schemeClr val="accent1"/>
+          </a:solidFill>
+          <a:ln>
+            <a:noFill/>
+          </a:ln>
+        </p:spPr>
+        <p:style>
+          <a:lnRef idx="1">
+            <a:schemeClr val="accent1"/>
+          </a:lnRef>
+          <a:fillRef idx="3">
+            <a:schemeClr val="accent1"/>
+          </a:fillRef>
+          <a:effectRef idx="2">
+            <a:schemeClr val="accent1"/>
+          </a:effectRef>
+          <a:fontRef idx="minor">
+            <a:schemeClr val="lt1"/>
+          </a:fontRef>
+        </p:style>
+      </p:sp>
+      <p:sp>
+        <p:nvSpPr>
+          <p:cNvPr id="16" name="Freeform 5">
+            <a:extLst>
+              <a:ext uri="{FF2B5EF4-FFF2-40B4-BE49-F238E27FC236}">
+                <a16:creationId xmlns:a16="http://schemas.microsoft.com/office/drawing/2014/main" id="{11CAC6F2-0806-417B-BF5D-5AEF6195FA49}"/>
+              </a:ext>
+              <a:ext uri="{C183D7F6-B498-43B3-948B-1728B52AA6E4}">
+                <adec:decorative xmlns:adec="http://schemas.microsoft.com/office/drawing/2017/decorative" val="1"/>
+              </a:ext>
+            </a:extLst>
+          </p:cNvPr>
+          <p:cNvSpPr>
+            <a:spLocks noGrp="1" noRot="1" noChangeAspect="1" noMove="1" noResize="1" noEditPoints="1" noAdjustHandles="1" noChangeArrowheads="1" noChangeShapeType="1" noTextEdit="1"/>
+          </p:cNvSpPr>
+          <p:nvPr>
+            <p:extLst>
+              <p:ext uri="{386F3935-93C4-4BCD-93E2-E3B085C9AB24}">
+                <p16:designElem xmlns:p16="http://schemas.microsoft.com/office/powerpoint/2015/main" val="1"/>
+              </p:ext>
+            </p:extLst>
+          </p:nvPr>
+        </p:nvSpPr>
+        <p:spPr bwMode="gray">
+          <a:xfrm>
+            <a:off x="0" y="1587"/>
+            <a:ext cx="12192000" cy="6856413"/>
+          </a:xfrm>
+          <a:custGeom>
+            <a:avLst/>
+            <a:gdLst/>
+            <a:ahLst/>
+            <a:cxnLst/>
+            <a:rect l="0" t="0" r="r" b="b"/>
+            <a:pathLst>
+              <a:path w="15356" h="8638">
+                <a:moveTo>
+                  <a:pt x="0" y="0"/>
+                </a:moveTo>
+                <a:lnTo>
+                  <a:pt x="0" y="8638"/>
+                </a:lnTo>
+                <a:lnTo>
+                  <a:pt x="15356" y="8638"/>
+                </a:lnTo>
+                <a:lnTo>
+                  <a:pt x="15356" y="0"/>
+                </a:lnTo>
+                <a:lnTo>
+                  <a:pt x="0" y="0"/>
+                </a:lnTo>
+                <a:close/>
+                <a:moveTo>
+                  <a:pt x="14748" y="8038"/>
+                </a:moveTo>
+                <a:lnTo>
+                  <a:pt x="600" y="8038"/>
+                </a:lnTo>
+                <a:lnTo>
+                  <a:pt x="600" y="592"/>
+                </a:lnTo>
+                <a:lnTo>
+                  <a:pt x="14748" y="592"/>
+                </a:lnTo>
+                <a:lnTo>
+                  <a:pt x="14748" y="8038"/>
+                </a:lnTo>
+                <a:close/>
+              </a:path>
+            </a:pathLst>
+          </a:custGeom>
+          <a:solidFill>
+            <a:schemeClr val="tx1"/>
+          </a:solidFill>
+          <a:ln>
+            <a:noFill/>
+          </a:ln>
+        </p:spPr>
+      </p:sp>
+      <p:sp>
+        <p:nvSpPr>
+          <p:cNvPr id="18" name="Rectangle 17">
+            <a:extLst>
+              <a:ext uri="{FF2B5EF4-FFF2-40B4-BE49-F238E27FC236}">
+                <a16:creationId xmlns:a16="http://schemas.microsoft.com/office/drawing/2014/main" id="{D4723B02-0AAB-4F6E-BA41-8ED99D559D93}"/>
+              </a:ext>
+              <a:ext uri="{C183D7F6-B498-43B3-948B-1728B52AA6E4}">
+                <adec:decorative xmlns:adec="http://schemas.microsoft.com/office/drawing/2017/decorative" val="1"/>
+              </a:ext>
+            </a:extLst>
+          </p:cNvPr>
+          <p:cNvSpPr>
+            <a:spLocks noGrp="1" noRot="1" noChangeAspect="1" noMove="1" noResize="1" noEditPoints="1" noAdjustHandles="1" noChangeArrowheads="1" noChangeShapeType="1" noTextEdit="1"/>
+          </p:cNvSpPr>
+          <p:nvPr>
+            <p:extLst>
+              <p:ext uri="{386F3935-93C4-4BCD-93E2-E3B085C9AB24}">
+                <p16:designElem xmlns:p16="http://schemas.microsoft.com/office/powerpoint/2015/main" val="1"/>
+              </p:ext>
+            </p:extLst>
+          </p:nvPr>
+        </p:nvSpPr>
+        <p:spPr>
+          <a:xfrm>
+            <a:off x="10437812" y="0"/>
+            <a:ext cx="685800" cy="1143000"/>
+          </a:xfrm>
+          <a:prstGeom prst="rect">
+            <a:avLst/>
+          </a:prstGeom>
+          <a:solidFill>
+            <a:schemeClr val="accent1"/>
+          </a:solidFill>
+          <a:ln>
+            <a:noFill/>
+          </a:ln>
+        </p:spPr>
+        <p:style>
+          <a:lnRef idx="1">
+            <a:schemeClr val="accent1"/>
+          </a:lnRef>
+          <a:fillRef idx="3">
+            <a:schemeClr val="accent1"/>
+          </a:fillRef>
+          <a:effectRef idx="2">
+            <a:schemeClr val="accent1"/>
+          </a:effectRef>
+          <a:fontRef idx="minor">
+            <a:schemeClr val="lt1"/>
+          </a:fontRef>
+        </p:style>
+      </p:sp>
+      <p:sp>
+        <p:nvSpPr>
+          <p:cNvPr id="2" name="Title 1">
+            <a:extLst>
+              <a:ext uri="{FF2B5EF4-FFF2-40B4-BE49-F238E27FC236}">
+                <a16:creationId xmlns:a16="http://schemas.microsoft.com/office/drawing/2014/main" id="{5CB52076-8C35-7243-A7E6-328E5785C525}"/>
+              </a:ext>
+            </a:extLst>
+          </p:cNvPr>
+          <p:cNvSpPr>
+            <a:spLocks noGrp="1"/>
+          </p:cNvSpPr>
+          <p:nvPr>
+            <p:ph type="title"/>
+          </p:nvPr>
+        </p:nvSpPr>
+        <p:spPr>
+          <a:xfrm>
+            <a:off x="8562109" y="1113062"/>
+            <a:ext cx="2980961" cy="3888429"/>
+          </a:xfrm>
+        </p:spPr>
+        <p:txBody>
+          <a:bodyPr vert="horz" lIns="91440" tIns="45720" rIns="91440" bIns="45720" rtlCol="0" anchor="b">
+            <a:normAutofit/>
+          </a:bodyPr>
+          <a:lstStyle/>
+          <a:p>
+            <a:r>
+              <a:rPr lang="en-US" sz="5400" b="0" i="0" kern="1200" dirty="0" err="1">
+                <a:solidFill>
+                  <a:srgbClr val="EBEBEB"/>
+                </a:solidFill>
+                <a:latin typeface="+mj-lt"/>
+                <a:ea typeface="+mj-ea"/>
+                <a:cs typeface="+mj-cs"/>
+              </a:rPr>
+              <a:t>Jupyter</a:t>
+            </a:r>
+            <a:br>
+              <a:rPr lang="en-US" sz="5400" b="0" i="0" kern="1200" dirty="0">
+                <a:solidFill>
+                  <a:srgbClr val="EBEBEB"/>
+                </a:solidFill>
+                <a:latin typeface="+mj-lt"/>
+                <a:ea typeface="+mj-ea"/>
+                <a:cs typeface="+mj-cs"/>
+              </a:rPr>
+            </a:br>
+            <a:r>
+              <a:rPr lang="en-US" sz="5400" b="0" i="0" kern="1200" dirty="0">
+                <a:solidFill>
+                  <a:srgbClr val="EBEBEB"/>
+                </a:solidFill>
+                <a:latin typeface="+mj-lt"/>
+                <a:ea typeface="+mj-ea"/>
+                <a:cs typeface="+mj-cs"/>
+              </a:rPr>
+              <a:t>Data Science Demo</a:t>
+            </a:r>
+          </a:p>
+        </p:txBody>
+      </p:sp>
+      <p:pic>
+        <p:nvPicPr>
+          <p:cNvPr id="5" name="Content Placeholder 4">
+            <a:extLst>
+              <a:ext uri="{FF2B5EF4-FFF2-40B4-BE49-F238E27FC236}">
+                <a16:creationId xmlns:a16="http://schemas.microsoft.com/office/drawing/2014/main" id="{9D1336A5-CD5D-D74F-9A5D-5D2198653FAE}"/>
+              </a:ext>
+            </a:extLst>
+          </p:cNvPr>
+          <p:cNvPicPr>
+            <a:picLocks noGrp="1" noChangeAspect="1"/>
+          </p:cNvPicPr>
+          <p:nvPr>
+            <p:ph idx="1"/>
+          </p:nvPr>
+        </p:nvPicPr>
+        <p:blipFill>
+          <a:blip r:embed="rId4"/>
+          <a:stretch>
+            <a:fillRect/>
+          </a:stretch>
+        </p:blipFill>
+        <p:spPr>
+          <a:xfrm>
+            <a:off x="652564" y="1204037"/>
+            <a:ext cx="7836497" cy="4310072"/>
+          </a:xfrm>
+          <a:prstGeom prst="roundRect">
+            <a:avLst>
+              <a:gd name="adj" fmla="val 1858"/>
+            </a:avLst>
+          </a:prstGeom>
+          <a:effectLst>
+            <a:outerShdw blurRad="50800" dist="50800" dir="5400000" algn="tl" rotWithShape="0">
+              <a:srgbClr val="000000">
+                <a:alpha val="43000"/>
+              </a:srgbClr>
+            </a:outerShdw>
+          </a:effectLst>
+        </p:spPr>
+      </p:pic>
+    </p:spTree>
+    <p:extLst>
+      <p:ext uri="{BB962C8B-B14F-4D97-AF65-F5344CB8AC3E}">
+        <p14:creationId xmlns:p14="http://schemas.microsoft.com/office/powerpoint/2010/main" val="3392839285"/>
+      </p:ext>
+    </p:extLst>
+  </p:cSld>
+  <p:clrMapOvr>
+    <a:overrideClrMapping bg1="dk1" tx1="lt1" bg2="dk2" tx2="lt2" accent1="accent1" accent2="accent2" accent3="accent3" accent4="accent4" accent5="accent5" accent6="accent6" hlink="hlink" folHlink="folHlink"/>
+  </p:clrMapOvr>
 </p:sld>
 </file>
 
